--- a/MoulinCreep/MathModeling_midterm.pptx
+++ b/MoulinCreep/MathModeling_midterm.pptx
@@ -6,10 +6,8 @@
   </p:sldMasterIdLst>
   <p:sldIdLst>
     <p:sldId id="260" r:id="rId2"/>
-    <p:sldId id="256" r:id="rId3"/>
-    <p:sldId id="259" r:id="rId4"/>
-    <p:sldId id="257" r:id="rId5"/>
-    <p:sldId id="258" r:id="rId6"/>
+    <p:sldId id="261" r:id="rId3"/>
+    <p:sldId id="256" r:id="rId4"/>
   </p:sldIdLst>
   <p:sldSz cx="12192000" cy="6858000"/>
   <p:notesSz cx="6858000" cy="9144000"/>
@@ -108,6 +106,19 @@
       </a:defRPr>
     </a:lvl9pPr>
   </p:defaultTextStyle>
+  <p:extLst>
+    <p:ext uri="{521415D9-36F7-43E2-AB2F-B90AF26B5E84}">
+      <p14:sectionLst xmlns:p14="http://schemas.microsoft.com/office/powerpoint/2010/main">
+        <p14:section name="Default Section" id="{F136D4D8-0F5E-4145-9F6F-B2AB4E5455D7}">
+          <p14:sldIdLst>
+            <p14:sldId id="260"/>
+            <p14:sldId id="261"/>
+            <p14:sldId id="256"/>
+          </p14:sldIdLst>
+        </p14:section>
+      </p14:sectionLst>
+    </p:ext>
+  </p:extLst>
 </p:presentation>
 </file>
 
@@ -2976,7 +2987,7 @@
           </p:cNvPicPr>
           <p:nvPr/>
         </p:nvPicPr>
-        <p:blipFill>
+        <p:blipFill rotWithShape="1">
           <a:blip r:embed="rId2">
             <a:extLst>
               <a:ext uri="{28A0092B-C50C-407E-A947-70E740481C1C}">
@@ -2984,14 +2995,13 @@
               </a:ext>
             </a:extLst>
           </a:blip>
-          <a:stretch>
-            <a:fillRect/>
-          </a:stretch>
+          <a:srcRect l="7494"/>
+          <a:stretch/>
         </p:blipFill>
         <p:spPr>
           <a:xfrm>
-            <a:off x="0" y="0"/>
-            <a:ext cx="12192000" cy="3251200"/>
+            <a:off x="913708" y="397420"/>
+            <a:ext cx="11278292" cy="3251200"/>
           </a:xfrm>
           <a:prstGeom prst="rect">
             <a:avLst/>
@@ -3006,28 +3016,449 @@
           </p:cNvPicPr>
           <p:nvPr/>
         </p:nvPicPr>
-        <p:blipFill>
+        <p:blipFill rotWithShape="1">
           <a:blip r:embed="rId3">
+            <a:clrChange>
+              <a:clrFrom>
+                <a:srgbClr val="FFFFFF"/>
+              </a:clrFrom>
+              <a:clrTo>
+                <a:srgbClr val="FFFFFF">
+                  <a:alpha val="0"/>
+                </a:srgbClr>
+              </a:clrTo>
+            </a:clrChange>
             <a:extLst>
               <a:ext uri="{28A0092B-C50C-407E-A947-70E740481C1C}">
                 <a14:useLocalDpi xmlns:a14="http://schemas.microsoft.com/office/drawing/2010/main" val="0"/>
               </a:ext>
             </a:extLst>
           </a:blip>
-          <a:stretch>
-            <a:fillRect/>
-          </a:stretch>
+          <a:srcRect l="7494"/>
+          <a:stretch/>
         </p:blipFill>
         <p:spPr>
           <a:xfrm>
-            <a:off x="0" y="3606800"/>
-            <a:ext cx="12192000" cy="3251200"/>
+            <a:off x="913708" y="3538795"/>
+            <a:ext cx="11278292" cy="3251200"/>
           </a:xfrm>
           <a:prstGeom prst="rect">
             <a:avLst/>
           </a:prstGeom>
         </p:spPr>
       </p:pic>
+      <p:sp>
+        <p:nvSpPr>
+          <p:cNvPr id="11" name="TextBox 10"/>
+          <p:cNvSpPr txBox="1"/>
+          <p:nvPr/>
+        </p:nvSpPr>
+        <p:spPr>
+          <a:xfrm>
+            <a:off x="509915" y="1638299"/>
+            <a:ext cx="481222" cy="769441"/>
+          </a:xfrm>
+          <a:prstGeom prst="rect">
+            <a:avLst/>
+          </a:prstGeom>
+          <a:noFill/>
+        </p:spPr>
+        <p:txBody>
+          <a:bodyPr wrap="none" rtlCol="0">
+            <a:spAutoFit/>
+          </a:bodyPr>
+          <a:lstStyle/>
+          <a:p>
+            <a:r>
+              <a:rPr lang="en-US" sz="4400"/>
+              <a:t>h</a:t>
+            </a:r>
+          </a:p>
+        </p:txBody>
+      </p:sp>
+      <p:sp>
+        <p:nvSpPr>
+          <p:cNvPr id="12" name="TextBox 11"/>
+          <p:cNvSpPr txBox="1"/>
+          <p:nvPr/>
+        </p:nvSpPr>
+        <p:spPr>
+          <a:xfrm>
+            <a:off x="337748" y="4705086"/>
+            <a:ext cx="750526" cy="769441"/>
+          </a:xfrm>
+          <a:prstGeom prst="rect">
+            <a:avLst/>
+          </a:prstGeom>
+          <a:noFill/>
+        </p:spPr>
+        <p:txBody>
+          <a:bodyPr wrap="none" rtlCol="0">
+            <a:spAutoFit/>
+          </a:bodyPr>
+          <a:lstStyle/>
+          <a:p>
+            <a:r>
+              <a:rPr lang="en-US" sz="4400" dirty="0" smtClean="0"/>
+              <a:t>Ac</a:t>
+            </a:r>
+            <a:endParaRPr lang="en-US" sz="4400" dirty="0"/>
+          </a:p>
+        </p:txBody>
+      </p:sp>
+      <p:sp>
+        <p:nvSpPr>
+          <p:cNvPr id="13" name="TextBox 12"/>
+          <p:cNvSpPr txBox="1"/>
+          <p:nvPr/>
+        </p:nvSpPr>
+        <p:spPr>
+          <a:xfrm>
+            <a:off x="10243747" y="2855498"/>
+            <a:ext cx="1550424" cy="1815882"/>
+          </a:xfrm>
+          <a:prstGeom prst="rect">
+            <a:avLst/>
+          </a:prstGeom>
+          <a:solidFill>
+            <a:schemeClr val="accent4">
+              <a:lumMod val="40000"/>
+              <a:lumOff val="60000"/>
+            </a:schemeClr>
+          </a:solidFill>
+        </p:spPr>
+        <p:txBody>
+          <a:bodyPr wrap="none" rtlCol="0">
+            <a:spAutoFit/>
+          </a:bodyPr>
+          <a:lstStyle/>
+          <a:p>
+            <a:r>
+              <a:rPr lang="en-US" sz="2800" dirty="0" smtClean="0"/>
+              <a:t>R=2m</a:t>
+            </a:r>
+            <a:r>
+              <a:rPr lang="en-US" sz="2800" baseline="30000" dirty="0" smtClean="0"/>
+              <a:t>3</a:t>
+            </a:r>
+            <a:r>
+              <a:rPr lang="en-US" sz="2800" dirty="0" smtClean="0"/>
+              <a:t>/s</a:t>
+            </a:r>
+          </a:p>
+          <a:p>
+            <a:r>
+              <a:rPr lang="en-US" sz="2800" dirty="0" smtClean="0"/>
+              <a:t>Z=1000m</a:t>
+            </a:r>
+          </a:p>
+          <a:p>
+            <a:r>
+              <a:rPr lang="en-US" sz="2800" dirty="0" smtClean="0"/>
+              <a:t>r=5m</a:t>
+            </a:r>
+          </a:p>
+          <a:p>
+            <a:r>
+              <a:rPr lang="en-US" sz="2800" dirty="0" smtClean="0"/>
+              <a:t>L=1000m</a:t>
+            </a:r>
+          </a:p>
+        </p:txBody>
+      </p:sp>
+      <p:sp>
+        <p:nvSpPr>
+          <p:cNvPr id="15" name="Arc 14"/>
+          <p:cNvSpPr/>
+          <p:nvPr/>
+        </p:nvSpPr>
+        <p:spPr>
+          <a:xfrm rot="10800000">
+            <a:off x="2199503" y="-1291855"/>
+            <a:ext cx="8044244" cy="3484606"/>
+          </a:xfrm>
+          <a:prstGeom prst="arc">
+            <a:avLst>
+              <a:gd name="adj1" fmla="val 16200000"/>
+              <a:gd name="adj2" fmla="val 21185704"/>
+            </a:avLst>
+          </a:prstGeom>
+          <a:ln w="31750">
+            <a:solidFill>
+              <a:srgbClr val="FF0000"/>
+            </a:solidFill>
+            <a:headEnd type="stealth"/>
+            <a:tailEnd type="none"/>
+          </a:ln>
+        </p:spPr>
+        <p:style>
+          <a:lnRef idx="1">
+            <a:schemeClr val="accent1"/>
+          </a:lnRef>
+          <a:fillRef idx="0">
+            <a:schemeClr val="accent1"/>
+          </a:fillRef>
+          <a:effectRef idx="0">
+            <a:schemeClr val="accent1"/>
+          </a:effectRef>
+          <a:fontRef idx="minor">
+            <a:schemeClr val="tx1"/>
+          </a:fontRef>
+        </p:style>
+        <p:txBody>
+          <a:bodyPr rtlCol="0" anchor="ctr"/>
+          <a:lstStyle/>
+          <a:p>
+            <a:pPr algn="ctr"/>
+            <a:endParaRPr lang="en-US"/>
+          </a:p>
+        </p:txBody>
+      </p:sp>
+      <p:cxnSp>
+        <p:nvCxnSpPr>
+          <p:cNvPr id="17" name="Straight Connector 16"/>
+          <p:cNvCxnSpPr/>
+          <p:nvPr/>
+        </p:nvCxnSpPr>
+        <p:spPr>
+          <a:xfrm>
+            <a:off x="2817340" y="3061435"/>
+            <a:ext cx="407773" cy="0"/>
+          </a:xfrm>
+          <a:prstGeom prst="line">
+            <a:avLst/>
+          </a:prstGeom>
+          <a:ln w="41275">
+            <a:solidFill>
+              <a:srgbClr val="FF0000"/>
+            </a:solidFill>
+            <a:headEnd type="diamond"/>
+            <a:tailEnd type="diamond"/>
+          </a:ln>
+        </p:spPr>
+        <p:style>
+          <a:lnRef idx="1">
+            <a:schemeClr val="accent1"/>
+          </a:lnRef>
+          <a:fillRef idx="0">
+            <a:schemeClr val="accent1"/>
+          </a:fillRef>
+          <a:effectRef idx="0">
+            <a:schemeClr val="accent1"/>
+          </a:effectRef>
+          <a:fontRef idx="minor">
+            <a:schemeClr val="tx1"/>
+          </a:fontRef>
+        </p:style>
+      </p:cxnSp>
+      <p:sp>
+        <p:nvSpPr>
+          <p:cNvPr id="18" name="TextBox 17"/>
+          <p:cNvSpPr txBox="1"/>
+          <p:nvPr/>
+        </p:nvSpPr>
+        <p:spPr>
+          <a:xfrm>
+            <a:off x="337748" y="64403"/>
+            <a:ext cx="2223173" cy="646331"/>
+          </a:xfrm>
+          <a:prstGeom prst="rect">
+            <a:avLst/>
+          </a:prstGeom>
+          <a:noFill/>
+        </p:spPr>
+        <p:txBody>
+          <a:bodyPr wrap="none" rtlCol="0">
+            <a:spAutoFit/>
+          </a:bodyPr>
+          <a:lstStyle/>
+          <a:p>
+            <a:r>
+              <a:rPr lang="en-US" sz="3600" smtClean="0">
+                <a:solidFill>
+                  <a:srgbClr val="FF0000"/>
+                </a:solidFill>
+              </a:rPr>
+              <a:t>Timescales</a:t>
+            </a:r>
+            <a:endParaRPr lang="en-US" sz="3600">
+              <a:solidFill>
+                <a:srgbClr val="FF0000"/>
+              </a:solidFill>
+            </a:endParaRPr>
+          </a:p>
+        </p:txBody>
+      </p:sp>
+      <p:sp>
+        <p:nvSpPr>
+          <p:cNvPr id="19" name="TextBox 18"/>
+          <p:cNvSpPr txBox="1"/>
+          <p:nvPr/>
+        </p:nvSpPr>
+        <p:spPr>
+          <a:xfrm>
+            <a:off x="2780269" y="3020939"/>
+            <a:ext cx="2415533" cy="584775"/>
+          </a:xfrm>
+          <a:prstGeom prst="rect">
+            <a:avLst/>
+          </a:prstGeom>
+          <a:noFill/>
+        </p:spPr>
+        <p:txBody>
+          <a:bodyPr wrap="none" rtlCol="0">
+            <a:spAutoFit/>
+          </a:bodyPr>
+          <a:lstStyle/>
+          <a:p>
+            <a:r>
+              <a:rPr lang="en-US" sz="3200" dirty="0" smtClean="0">
+                <a:solidFill>
+                  <a:srgbClr val="FF0000"/>
+                </a:solidFill>
+              </a:rPr>
+              <a:t>#1-oscillation</a:t>
+            </a:r>
+            <a:endParaRPr lang="en-US" sz="3200" dirty="0">
+              <a:solidFill>
+                <a:srgbClr val="FF0000"/>
+              </a:solidFill>
+            </a:endParaRPr>
+          </a:p>
+        </p:txBody>
+      </p:sp>
+      <p:sp>
+        <p:nvSpPr>
+          <p:cNvPr id="28" name="TextBox 27"/>
+          <p:cNvSpPr txBox="1"/>
+          <p:nvPr/>
+        </p:nvSpPr>
+        <p:spPr>
+          <a:xfrm>
+            <a:off x="4104004" y="1345911"/>
+            <a:ext cx="1688860" cy="584775"/>
+          </a:xfrm>
+          <a:prstGeom prst="rect">
+            <a:avLst/>
+          </a:prstGeom>
+          <a:noFill/>
+        </p:spPr>
+        <p:txBody>
+          <a:bodyPr wrap="none" rtlCol="0">
+            <a:spAutoFit/>
+          </a:bodyPr>
+          <a:lstStyle>
+            <a:defPPr>
+              <a:defRPr lang="en-US"/>
+            </a:defPPr>
+            <a:lvl1pPr marL="0" algn="l" defTabSz="914400" rtl="0" eaLnBrk="1" latinLnBrk="0" hangingPunct="1">
+              <a:defRPr sz="1800" kern="1200">
+                <a:solidFill>
+                  <a:schemeClr val="tx1"/>
+                </a:solidFill>
+                <a:latin typeface="+mn-lt"/>
+                <a:ea typeface="+mn-ea"/>
+                <a:cs typeface="+mn-cs"/>
+              </a:defRPr>
+            </a:lvl1pPr>
+            <a:lvl2pPr marL="457200" algn="l" defTabSz="914400" rtl="0" eaLnBrk="1" latinLnBrk="0" hangingPunct="1">
+              <a:defRPr sz="1800" kern="1200">
+                <a:solidFill>
+                  <a:schemeClr val="tx1"/>
+                </a:solidFill>
+                <a:latin typeface="+mn-lt"/>
+                <a:ea typeface="+mn-ea"/>
+                <a:cs typeface="+mn-cs"/>
+              </a:defRPr>
+            </a:lvl2pPr>
+            <a:lvl3pPr marL="914400" algn="l" defTabSz="914400" rtl="0" eaLnBrk="1" latinLnBrk="0" hangingPunct="1">
+              <a:defRPr sz="1800" kern="1200">
+                <a:solidFill>
+                  <a:schemeClr val="tx1"/>
+                </a:solidFill>
+                <a:latin typeface="+mn-lt"/>
+                <a:ea typeface="+mn-ea"/>
+                <a:cs typeface="+mn-cs"/>
+              </a:defRPr>
+            </a:lvl3pPr>
+            <a:lvl4pPr marL="1371600" algn="l" defTabSz="914400" rtl="0" eaLnBrk="1" latinLnBrk="0" hangingPunct="1">
+              <a:defRPr sz="1800" kern="1200">
+                <a:solidFill>
+                  <a:schemeClr val="tx1"/>
+                </a:solidFill>
+                <a:latin typeface="+mn-lt"/>
+                <a:ea typeface="+mn-ea"/>
+                <a:cs typeface="+mn-cs"/>
+              </a:defRPr>
+            </a:lvl4pPr>
+            <a:lvl5pPr marL="1828800" algn="l" defTabSz="914400" rtl="0" eaLnBrk="1" latinLnBrk="0" hangingPunct="1">
+              <a:defRPr sz="1800" kern="1200">
+                <a:solidFill>
+                  <a:schemeClr val="tx1"/>
+                </a:solidFill>
+                <a:latin typeface="+mn-lt"/>
+                <a:ea typeface="+mn-ea"/>
+                <a:cs typeface="+mn-cs"/>
+              </a:defRPr>
+            </a:lvl5pPr>
+            <a:lvl6pPr marL="2286000" algn="l" defTabSz="914400" rtl="0" eaLnBrk="1" latinLnBrk="0" hangingPunct="1">
+              <a:defRPr sz="1800" kern="1200">
+                <a:solidFill>
+                  <a:schemeClr val="tx1"/>
+                </a:solidFill>
+                <a:latin typeface="+mn-lt"/>
+                <a:ea typeface="+mn-ea"/>
+                <a:cs typeface="+mn-cs"/>
+              </a:defRPr>
+            </a:lvl6pPr>
+            <a:lvl7pPr marL="2743200" algn="l" defTabSz="914400" rtl="0" eaLnBrk="1" latinLnBrk="0" hangingPunct="1">
+              <a:defRPr sz="1800" kern="1200">
+                <a:solidFill>
+                  <a:schemeClr val="tx1"/>
+                </a:solidFill>
+                <a:latin typeface="+mn-lt"/>
+                <a:ea typeface="+mn-ea"/>
+                <a:cs typeface="+mn-cs"/>
+              </a:defRPr>
+            </a:lvl7pPr>
+            <a:lvl8pPr marL="3200400" algn="l" defTabSz="914400" rtl="0" eaLnBrk="1" latinLnBrk="0" hangingPunct="1">
+              <a:defRPr sz="1800" kern="1200">
+                <a:solidFill>
+                  <a:schemeClr val="tx1"/>
+                </a:solidFill>
+                <a:latin typeface="+mn-lt"/>
+                <a:ea typeface="+mn-ea"/>
+                <a:cs typeface="+mn-cs"/>
+              </a:defRPr>
+            </a:lvl8pPr>
+            <a:lvl9pPr marL="3657600" algn="l" defTabSz="914400" rtl="0" eaLnBrk="1" latinLnBrk="0" hangingPunct="1">
+              <a:defRPr sz="1800" kern="1200">
+                <a:solidFill>
+                  <a:schemeClr val="tx1"/>
+                </a:solidFill>
+                <a:latin typeface="+mn-lt"/>
+                <a:ea typeface="+mn-ea"/>
+                <a:cs typeface="+mn-cs"/>
+              </a:defRPr>
+            </a:lvl9pPr>
+          </a:lstStyle>
+          <a:p>
+            <a:r>
+              <a:rPr lang="en-US" sz="3200" dirty="0" smtClean="0">
+                <a:solidFill>
+                  <a:srgbClr val="FF0000"/>
+                </a:solidFill>
+              </a:rPr>
+              <a:t>#2-decay</a:t>
+            </a:r>
+            <a:endParaRPr lang="en-US" sz="3200" dirty="0">
+              <a:solidFill>
+                <a:srgbClr val="FF0000"/>
+              </a:solidFill>
+            </a:endParaRPr>
+          </a:p>
+        </p:txBody>
+      </p:sp>
     </p:spTree>
     <p:extLst>
       <p:ext uri="{BB962C8B-B14F-4D97-AF65-F5344CB8AC3E}">
@@ -3060,13 +3491,13 @@
       </p:grpSpPr>
       <p:pic>
         <p:nvPicPr>
-          <p:cNvPr id="5" name="Picture 4"/>
+          <p:cNvPr id="6" name="Picture 5"/>
           <p:cNvPicPr>
             <a:picLocks noChangeAspect="1"/>
           </p:cNvPicPr>
           <p:nvPr/>
         </p:nvPicPr>
-        <p:blipFill>
+        <p:blipFill rotWithShape="1">
           <a:blip r:embed="rId2">
             <a:extLst>
               <a:ext uri="{28A0092B-C50C-407E-A947-70E740481C1C}">
@@ -3074,24 +3505,632 @@
               </a:ext>
             </a:extLst>
           </a:blip>
-          <a:stretch>
-            <a:fillRect/>
-          </a:stretch>
+          <a:srcRect l="3041"/>
+          <a:stretch/>
         </p:blipFill>
         <p:spPr>
           <a:xfrm>
-            <a:off x="0" y="3588627"/>
-            <a:ext cx="12192000" cy="3251200"/>
+            <a:off x="2" y="3544170"/>
+            <a:ext cx="11821294" cy="3251200"/>
           </a:xfrm>
           <a:prstGeom prst="rect">
             <a:avLst/>
           </a:prstGeom>
         </p:spPr>
       </p:pic>
+      <p:sp>
+        <p:nvSpPr>
+          <p:cNvPr id="7" name="TextBox 6"/>
+          <p:cNvSpPr txBox="1"/>
+          <p:nvPr/>
+        </p:nvSpPr>
+        <p:spPr>
+          <a:xfrm>
+            <a:off x="10841952" y="4536297"/>
+            <a:ext cx="1350050" cy="1569660"/>
+          </a:xfrm>
+          <a:prstGeom prst="rect">
+            <a:avLst/>
+          </a:prstGeom>
+          <a:solidFill>
+            <a:schemeClr val="accent4">
+              <a:lumMod val="40000"/>
+              <a:lumOff val="60000"/>
+            </a:schemeClr>
+          </a:solidFill>
+        </p:spPr>
+        <p:txBody>
+          <a:bodyPr wrap="none" rtlCol="0">
+            <a:spAutoFit/>
+          </a:bodyPr>
+          <a:lstStyle/>
+          <a:p>
+            <a:r>
+              <a:rPr lang="en-US" sz="2400" dirty="0" smtClean="0"/>
+              <a:t>R=2m</a:t>
+            </a:r>
+            <a:r>
+              <a:rPr lang="en-US" sz="2400" baseline="30000" dirty="0" smtClean="0"/>
+              <a:t>3</a:t>
+            </a:r>
+            <a:r>
+              <a:rPr lang="en-US" sz="2400" dirty="0" smtClean="0"/>
+              <a:t>/s</a:t>
+            </a:r>
+          </a:p>
+          <a:p>
+            <a:r>
+              <a:rPr lang="en-US" sz="2400" dirty="0" smtClean="0"/>
+              <a:t>Z=1000m</a:t>
+            </a:r>
+          </a:p>
+          <a:p>
+            <a:r>
+              <a:rPr lang="en-US" sz="2400" dirty="0" smtClean="0"/>
+              <a:t>r=5m</a:t>
+            </a:r>
+          </a:p>
+          <a:p>
+            <a:r>
+              <a:rPr lang="en-US" sz="2400" dirty="0" smtClean="0"/>
+              <a:t>L</a:t>
+            </a:r>
+          </a:p>
+        </p:txBody>
+      </p:sp>
+      <p:pic>
+        <p:nvPicPr>
+          <p:cNvPr id="8" name="Picture 7"/>
+          <p:cNvPicPr>
+            <a:picLocks noChangeAspect="1"/>
+          </p:cNvPicPr>
+          <p:nvPr/>
+        </p:nvPicPr>
+        <p:blipFill rotWithShape="1">
+          <a:blip r:embed="rId3">
+            <a:extLst>
+              <a:ext uri="{28A0092B-C50C-407E-A947-70E740481C1C}">
+                <a14:useLocalDpi xmlns:a14="http://schemas.microsoft.com/office/drawing/2010/main" val="0"/>
+              </a:ext>
+            </a:extLst>
+          </a:blip>
+          <a:srcRect l="3344"/>
+          <a:stretch/>
+        </p:blipFill>
+        <p:spPr>
+          <a:xfrm>
+            <a:off x="0" y="409612"/>
+            <a:ext cx="11784224" cy="3251200"/>
+          </a:xfrm>
+          <a:prstGeom prst="rect">
+            <a:avLst/>
+          </a:prstGeom>
+        </p:spPr>
+      </p:pic>
+      <p:sp>
+        <p:nvSpPr>
+          <p:cNvPr id="9" name="TextBox 8"/>
+          <p:cNvSpPr txBox="1"/>
+          <p:nvPr/>
+        </p:nvSpPr>
+        <p:spPr>
+          <a:xfrm>
+            <a:off x="10841952" y="1550739"/>
+            <a:ext cx="1350050" cy="1569660"/>
+          </a:xfrm>
+          <a:prstGeom prst="rect">
+            <a:avLst/>
+          </a:prstGeom>
+          <a:solidFill>
+            <a:schemeClr val="accent4">
+              <a:lumMod val="40000"/>
+              <a:lumOff val="60000"/>
+            </a:schemeClr>
+          </a:solidFill>
+        </p:spPr>
+        <p:txBody>
+          <a:bodyPr wrap="none" rtlCol="0">
+            <a:spAutoFit/>
+          </a:bodyPr>
+          <a:lstStyle>
+            <a:defPPr>
+              <a:defRPr lang="en-US"/>
+            </a:defPPr>
+            <a:lvl1pPr marL="0" algn="l" defTabSz="914400" rtl="0" eaLnBrk="1" latinLnBrk="0" hangingPunct="1">
+              <a:defRPr sz="1800" kern="1200">
+                <a:solidFill>
+                  <a:schemeClr val="tx1"/>
+                </a:solidFill>
+                <a:latin typeface="+mn-lt"/>
+                <a:ea typeface="+mn-ea"/>
+                <a:cs typeface="+mn-cs"/>
+              </a:defRPr>
+            </a:lvl1pPr>
+            <a:lvl2pPr marL="457200" algn="l" defTabSz="914400" rtl="0" eaLnBrk="1" latinLnBrk="0" hangingPunct="1">
+              <a:defRPr sz="1800" kern="1200">
+                <a:solidFill>
+                  <a:schemeClr val="tx1"/>
+                </a:solidFill>
+                <a:latin typeface="+mn-lt"/>
+                <a:ea typeface="+mn-ea"/>
+                <a:cs typeface="+mn-cs"/>
+              </a:defRPr>
+            </a:lvl2pPr>
+            <a:lvl3pPr marL="914400" algn="l" defTabSz="914400" rtl="0" eaLnBrk="1" latinLnBrk="0" hangingPunct="1">
+              <a:defRPr sz="1800" kern="1200">
+                <a:solidFill>
+                  <a:schemeClr val="tx1"/>
+                </a:solidFill>
+                <a:latin typeface="+mn-lt"/>
+                <a:ea typeface="+mn-ea"/>
+                <a:cs typeface="+mn-cs"/>
+              </a:defRPr>
+            </a:lvl3pPr>
+            <a:lvl4pPr marL="1371600" algn="l" defTabSz="914400" rtl="0" eaLnBrk="1" latinLnBrk="0" hangingPunct="1">
+              <a:defRPr sz="1800" kern="1200">
+                <a:solidFill>
+                  <a:schemeClr val="tx1"/>
+                </a:solidFill>
+                <a:latin typeface="+mn-lt"/>
+                <a:ea typeface="+mn-ea"/>
+                <a:cs typeface="+mn-cs"/>
+              </a:defRPr>
+            </a:lvl4pPr>
+            <a:lvl5pPr marL="1828800" algn="l" defTabSz="914400" rtl="0" eaLnBrk="1" latinLnBrk="0" hangingPunct="1">
+              <a:defRPr sz="1800" kern="1200">
+                <a:solidFill>
+                  <a:schemeClr val="tx1"/>
+                </a:solidFill>
+                <a:latin typeface="+mn-lt"/>
+                <a:ea typeface="+mn-ea"/>
+                <a:cs typeface="+mn-cs"/>
+              </a:defRPr>
+            </a:lvl5pPr>
+            <a:lvl6pPr marL="2286000" algn="l" defTabSz="914400" rtl="0" eaLnBrk="1" latinLnBrk="0" hangingPunct="1">
+              <a:defRPr sz="1800" kern="1200">
+                <a:solidFill>
+                  <a:schemeClr val="tx1"/>
+                </a:solidFill>
+                <a:latin typeface="+mn-lt"/>
+                <a:ea typeface="+mn-ea"/>
+                <a:cs typeface="+mn-cs"/>
+              </a:defRPr>
+            </a:lvl6pPr>
+            <a:lvl7pPr marL="2743200" algn="l" defTabSz="914400" rtl="0" eaLnBrk="1" latinLnBrk="0" hangingPunct="1">
+              <a:defRPr sz="1800" kern="1200">
+                <a:solidFill>
+                  <a:schemeClr val="tx1"/>
+                </a:solidFill>
+                <a:latin typeface="+mn-lt"/>
+                <a:ea typeface="+mn-ea"/>
+                <a:cs typeface="+mn-cs"/>
+              </a:defRPr>
+            </a:lvl7pPr>
+            <a:lvl8pPr marL="3200400" algn="l" defTabSz="914400" rtl="0" eaLnBrk="1" latinLnBrk="0" hangingPunct="1">
+              <a:defRPr sz="1800" kern="1200">
+                <a:solidFill>
+                  <a:schemeClr val="tx1"/>
+                </a:solidFill>
+                <a:latin typeface="+mn-lt"/>
+                <a:ea typeface="+mn-ea"/>
+                <a:cs typeface="+mn-cs"/>
+              </a:defRPr>
+            </a:lvl8pPr>
+            <a:lvl9pPr marL="3657600" algn="l" defTabSz="914400" rtl="0" eaLnBrk="1" latinLnBrk="0" hangingPunct="1">
+              <a:defRPr sz="1800" kern="1200">
+                <a:solidFill>
+                  <a:schemeClr val="tx1"/>
+                </a:solidFill>
+                <a:latin typeface="+mn-lt"/>
+                <a:ea typeface="+mn-ea"/>
+                <a:cs typeface="+mn-cs"/>
+              </a:defRPr>
+            </a:lvl9pPr>
+          </a:lstStyle>
+          <a:p>
+            <a:r>
+              <a:rPr lang="en-US" sz="2400" dirty="0" smtClean="0"/>
+              <a:t>R=2m</a:t>
+            </a:r>
+            <a:r>
+              <a:rPr lang="en-US" sz="2400" baseline="30000" dirty="0" smtClean="0"/>
+              <a:t>3</a:t>
+            </a:r>
+            <a:r>
+              <a:rPr lang="en-US" sz="2400" dirty="0" smtClean="0"/>
+              <a:t>/s</a:t>
+            </a:r>
+          </a:p>
+          <a:p>
+            <a:r>
+              <a:rPr lang="en-US" sz="2400" dirty="0" smtClean="0"/>
+              <a:t>Z</a:t>
+            </a:r>
+          </a:p>
+          <a:p>
+            <a:r>
+              <a:rPr lang="en-US" sz="2400" dirty="0" smtClean="0"/>
+              <a:t>r=5m</a:t>
+            </a:r>
+          </a:p>
+          <a:p>
+            <a:r>
+              <a:rPr lang="en-US" sz="2400" dirty="0" smtClean="0"/>
+              <a:t>L=1000m</a:t>
+            </a:r>
+          </a:p>
+        </p:txBody>
+      </p:sp>
+      <p:sp>
+        <p:nvSpPr>
+          <p:cNvPr id="10" name="TextBox 9"/>
+          <p:cNvSpPr txBox="1"/>
+          <p:nvPr/>
+        </p:nvSpPr>
+        <p:spPr>
+          <a:xfrm>
+            <a:off x="6890111" y="1181407"/>
+            <a:ext cx="1218603" cy="369332"/>
+          </a:xfrm>
+          <a:prstGeom prst="rect">
+            <a:avLst/>
+          </a:prstGeom>
+          <a:solidFill>
+            <a:srgbClr val="925F54">
+              <a:alpha val="70000"/>
+            </a:srgbClr>
+          </a:solidFill>
+        </p:spPr>
+        <p:txBody>
+          <a:bodyPr wrap="none" rtlCol="0">
+            <a:spAutoFit/>
+          </a:bodyPr>
+          <a:lstStyle>
+            <a:defPPr>
+              <a:defRPr lang="en-US"/>
+            </a:defPPr>
+            <a:lvl1pPr marL="0" algn="l" defTabSz="914400" rtl="0" eaLnBrk="1" latinLnBrk="0" hangingPunct="1">
+              <a:defRPr sz="1800" kern="1200">
+                <a:solidFill>
+                  <a:schemeClr val="tx1"/>
+                </a:solidFill>
+                <a:latin typeface="+mn-lt"/>
+                <a:ea typeface="+mn-ea"/>
+                <a:cs typeface="+mn-cs"/>
+              </a:defRPr>
+            </a:lvl1pPr>
+            <a:lvl2pPr marL="457200" algn="l" defTabSz="914400" rtl="0" eaLnBrk="1" latinLnBrk="0" hangingPunct="1">
+              <a:defRPr sz="1800" kern="1200">
+                <a:solidFill>
+                  <a:schemeClr val="tx1"/>
+                </a:solidFill>
+                <a:latin typeface="+mn-lt"/>
+                <a:ea typeface="+mn-ea"/>
+                <a:cs typeface="+mn-cs"/>
+              </a:defRPr>
+            </a:lvl2pPr>
+            <a:lvl3pPr marL="914400" algn="l" defTabSz="914400" rtl="0" eaLnBrk="1" latinLnBrk="0" hangingPunct="1">
+              <a:defRPr sz="1800" kern="1200">
+                <a:solidFill>
+                  <a:schemeClr val="tx1"/>
+                </a:solidFill>
+                <a:latin typeface="+mn-lt"/>
+                <a:ea typeface="+mn-ea"/>
+                <a:cs typeface="+mn-cs"/>
+              </a:defRPr>
+            </a:lvl3pPr>
+            <a:lvl4pPr marL="1371600" algn="l" defTabSz="914400" rtl="0" eaLnBrk="1" latinLnBrk="0" hangingPunct="1">
+              <a:defRPr sz="1800" kern="1200">
+                <a:solidFill>
+                  <a:schemeClr val="tx1"/>
+                </a:solidFill>
+                <a:latin typeface="+mn-lt"/>
+                <a:ea typeface="+mn-ea"/>
+                <a:cs typeface="+mn-cs"/>
+              </a:defRPr>
+            </a:lvl4pPr>
+            <a:lvl5pPr marL="1828800" algn="l" defTabSz="914400" rtl="0" eaLnBrk="1" latinLnBrk="0" hangingPunct="1">
+              <a:defRPr sz="1800" kern="1200">
+                <a:solidFill>
+                  <a:schemeClr val="tx1"/>
+                </a:solidFill>
+                <a:latin typeface="+mn-lt"/>
+                <a:ea typeface="+mn-ea"/>
+                <a:cs typeface="+mn-cs"/>
+              </a:defRPr>
+            </a:lvl5pPr>
+            <a:lvl6pPr marL="2286000" algn="l" defTabSz="914400" rtl="0" eaLnBrk="1" latinLnBrk="0" hangingPunct="1">
+              <a:defRPr sz="1800" kern="1200">
+                <a:solidFill>
+                  <a:schemeClr val="tx1"/>
+                </a:solidFill>
+                <a:latin typeface="+mn-lt"/>
+                <a:ea typeface="+mn-ea"/>
+                <a:cs typeface="+mn-cs"/>
+              </a:defRPr>
+            </a:lvl6pPr>
+            <a:lvl7pPr marL="2743200" algn="l" defTabSz="914400" rtl="0" eaLnBrk="1" latinLnBrk="0" hangingPunct="1">
+              <a:defRPr sz="1800" kern="1200">
+                <a:solidFill>
+                  <a:schemeClr val="tx1"/>
+                </a:solidFill>
+                <a:latin typeface="+mn-lt"/>
+                <a:ea typeface="+mn-ea"/>
+                <a:cs typeface="+mn-cs"/>
+              </a:defRPr>
+            </a:lvl7pPr>
+            <a:lvl8pPr marL="3200400" algn="l" defTabSz="914400" rtl="0" eaLnBrk="1" latinLnBrk="0" hangingPunct="1">
+              <a:defRPr sz="1800" kern="1200">
+                <a:solidFill>
+                  <a:schemeClr val="tx1"/>
+                </a:solidFill>
+                <a:latin typeface="+mn-lt"/>
+                <a:ea typeface="+mn-ea"/>
+                <a:cs typeface="+mn-cs"/>
+              </a:defRPr>
+            </a:lvl8pPr>
+            <a:lvl9pPr marL="3657600" algn="l" defTabSz="914400" rtl="0" eaLnBrk="1" latinLnBrk="0" hangingPunct="1">
+              <a:defRPr sz="1800" kern="1200">
+                <a:solidFill>
+                  <a:schemeClr val="tx1"/>
+                </a:solidFill>
+                <a:latin typeface="+mn-lt"/>
+                <a:ea typeface="+mn-ea"/>
+                <a:cs typeface="+mn-cs"/>
+              </a:defRPr>
+            </a:lvl9pPr>
+          </a:lstStyle>
+          <a:p>
+            <a:r>
+              <a:rPr lang="en-US" dirty="0" smtClean="0"/>
+              <a:t>Z = 1200 m</a:t>
+            </a:r>
+            <a:endParaRPr lang="en-US" dirty="0"/>
+          </a:p>
+        </p:txBody>
+      </p:sp>
+      <p:cxnSp>
+        <p:nvCxnSpPr>
+          <p:cNvPr id="11" name="Straight Arrow Connector 10"/>
+          <p:cNvCxnSpPr/>
+          <p:nvPr/>
+        </p:nvCxnSpPr>
+        <p:spPr>
+          <a:xfrm flipH="1">
+            <a:off x="6512514" y="1554701"/>
+            <a:ext cx="377597" cy="414790"/>
+          </a:xfrm>
+          <a:prstGeom prst="straightConnector1">
+            <a:avLst/>
+          </a:prstGeom>
+          <a:ln>
+            <a:solidFill>
+              <a:srgbClr val="925F54"/>
+            </a:solidFill>
+            <a:tailEnd type="triangle"/>
+          </a:ln>
+        </p:spPr>
+        <p:style>
+          <a:lnRef idx="1">
+            <a:schemeClr val="accent1"/>
+          </a:lnRef>
+          <a:fillRef idx="0">
+            <a:schemeClr val="accent1"/>
+          </a:fillRef>
+          <a:effectRef idx="0">
+            <a:schemeClr val="accent1"/>
+          </a:effectRef>
+          <a:fontRef idx="minor">
+            <a:schemeClr val="tx1"/>
+          </a:fontRef>
+        </p:style>
+      </p:cxnSp>
+      <p:sp>
+        <p:nvSpPr>
+          <p:cNvPr id="12" name="TextBox 11"/>
+          <p:cNvSpPr txBox="1"/>
+          <p:nvPr/>
+        </p:nvSpPr>
+        <p:spPr>
+          <a:xfrm>
+            <a:off x="7845981" y="3476146"/>
+            <a:ext cx="1119217" cy="369332"/>
+          </a:xfrm>
+          <a:prstGeom prst="rect">
+            <a:avLst/>
+          </a:prstGeom>
+          <a:solidFill>
+            <a:srgbClr val="4E93C3">
+              <a:alpha val="56000"/>
+            </a:srgbClr>
+          </a:solidFill>
+        </p:spPr>
+        <p:txBody>
+          <a:bodyPr wrap="none" rtlCol="0">
+            <a:spAutoFit/>
+          </a:bodyPr>
+          <a:lstStyle>
+            <a:defPPr>
+              <a:defRPr lang="en-US"/>
+            </a:defPPr>
+            <a:lvl1pPr marL="0" algn="l" defTabSz="914400" rtl="0" eaLnBrk="1" latinLnBrk="0" hangingPunct="1">
+              <a:defRPr sz="1800" kern="1200">
+                <a:solidFill>
+                  <a:schemeClr val="tx1"/>
+                </a:solidFill>
+                <a:latin typeface="+mn-lt"/>
+                <a:ea typeface="+mn-ea"/>
+                <a:cs typeface="+mn-cs"/>
+              </a:defRPr>
+            </a:lvl1pPr>
+            <a:lvl2pPr marL="457200" algn="l" defTabSz="914400" rtl="0" eaLnBrk="1" latinLnBrk="0" hangingPunct="1">
+              <a:defRPr sz="1800" kern="1200">
+                <a:solidFill>
+                  <a:schemeClr val="tx1"/>
+                </a:solidFill>
+                <a:latin typeface="+mn-lt"/>
+                <a:ea typeface="+mn-ea"/>
+                <a:cs typeface="+mn-cs"/>
+              </a:defRPr>
+            </a:lvl2pPr>
+            <a:lvl3pPr marL="914400" algn="l" defTabSz="914400" rtl="0" eaLnBrk="1" latinLnBrk="0" hangingPunct="1">
+              <a:defRPr sz="1800" kern="1200">
+                <a:solidFill>
+                  <a:schemeClr val="tx1"/>
+                </a:solidFill>
+                <a:latin typeface="+mn-lt"/>
+                <a:ea typeface="+mn-ea"/>
+                <a:cs typeface="+mn-cs"/>
+              </a:defRPr>
+            </a:lvl3pPr>
+            <a:lvl4pPr marL="1371600" algn="l" defTabSz="914400" rtl="0" eaLnBrk="1" latinLnBrk="0" hangingPunct="1">
+              <a:defRPr sz="1800" kern="1200">
+                <a:solidFill>
+                  <a:schemeClr val="tx1"/>
+                </a:solidFill>
+                <a:latin typeface="+mn-lt"/>
+                <a:ea typeface="+mn-ea"/>
+                <a:cs typeface="+mn-cs"/>
+              </a:defRPr>
+            </a:lvl4pPr>
+            <a:lvl5pPr marL="1828800" algn="l" defTabSz="914400" rtl="0" eaLnBrk="1" latinLnBrk="0" hangingPunct="1">
+              <a:defRPr sz="1800" kern="1200">
+                <a:solidFill>
+                  <a:schemeClr val="tx1"/>
+                </a:solidFill>
+                <a:latin typeface="+mn-lt"/>
+                <a:ea typeface="+mn-ea"/>
+                <a:cs typeface="+mn-cs"/>
+              </a:defRPr>
+            </a:lvl5pPr>
+            <a:lvl6pPr marL="2286000" algn="l" defTabSz="914400" rtl="0" eaLnBrk="1" latinLnBrk="0" hangingPunct="1">
+              <a:defRPr sz="1800" kern="1200">
+                <a:solidFill>
+                  <a:schemeClr val="tx1"/>
+                </a:solidFill>
+                <a:latin typeface="+mn-lt"/>
+                <a:ea typeface="+mn-ea"/>
+                <a:cs typeface="+mn-cs"/>
+              </a:defRPr>
+            </a:lvl6pPr>
+            <a:lvl7pPr marL="2743200" algn="l" defTabSz="914400" rtl="0" eaLnBrk="1" latinLnBrk="0" hangingPunct="1">
+              <a:defRPr sz="1800" kern="1200">
+                <a:solidFill>
+                  <a:schemeClr val="tx1"/>
+                </a:solidFill>
+                <a:latin typeface="+mn-lt"/>
+                <a:ea typeface="+mn-ea"/>
+                <a:cs typeface="+mn-cs"/>
+              </a:defRPr>
+            </a:lvl7pPr>
+            <a:lvl8pPr marL="3200400" algn="l" defTabSz="914400" rtl="0" eaLnBrk="1" latinLnBrk="0" hangingPunct="1">
+              <a:defRPr sz="1800" kern="1200">
+                <a:solidFill>
+                  <a:schemeClr val="tx1"/>
+                </a:solidFill>
+                <a:latin typeface="+mn-lt"/>
+                <a:ea typeface="+mn-ea"/>
+                <a:cs typeface="+mn-cs"/>
+              </a:defRPr>
+            </a:lvl8pPr>
+            <a:lvl9pPr marL="3657600" algn="l" defTabSz="914400" rtl="0" eaLnBrk="1" latinLnBrk="0" hangingPunct="1">
+              <a:defRPr sz="1800" kern="1200">
+                <a:solidFill>
+                  <a:schemeClr val="tx1"/>
+                </a:solidFill>
+                <a:latin typeface="+mn-lt"/>
+                <a:ea typeface="+mn-ea"/>
+                <a:cs typeface="+mn-cs"/>
+              </a:defRPr>
+            </a:lvl9pPr>
+          </a:lstStyle>
+          <a:p>
+            <a:r>
+              <a:rPr lang="en-US" dirty="0" smtClean="0"/>
+              <a:t>Z = 200 m</a:t>
+            </a:r>
+            <a:endParaRPr lang="en-US" dirty="0"/>
+          </a:p>
+        </p:txBody>
+      </p:sp>
+      <p:cxnSp>
+        <p:nvCxnSpPr>
+          <p:cNvPr id="13" name="Straight Arrow Connector 12"/>
+          <p:cNvCxnSpPr/>
+          <p:nvPr/>
+        </p:nvCxnSpPr>
+        <p:spPr>
+          <a:xfrm flipH="1" flipV="1">
+            <a:off x="7628240" y="3200517"/>
+            <a:ext cx="217741" cy="275630"/>
+          </a:xfrm>
+          <a:prstGeom prst="straightConnector1">
+            <a:avLst/>
+          </a:prstGeom>
+          <a:ln>
+            <a:solidFill>
+              <a:srgbClr val="4E93C3"/>
+            </a:solidFill>
+            <a:tailEnd type="triangle"/>
+          </a:ln>
+        </p:spPr>
+        <p:style>
+          <a:lnRef idx="1">
+            <a:schemeClr val="accent1"/>
+          </a:lnRef>
+          <a:fillRef idx="0">
+            <a:schemeClr val="accent1"/>
+          </a:fillRef>
+          <a:effectRef idx="0">
+            <a:schemeClr val="accent1"/>
+          </a:effectRef>
+          <a:fontRef idx="minor">
+            <a:schemeClr val="tx1"/>
+          </a:fontRef>
+        </p:style>
+      </p:cxnSp>
+      <p:sp>
+        <p:nvSpPr>
+          <p:cNvPr id="14" name="TextBox 13"/>
+          <p:cNvSpPr txBox="1"/>
+          <p:nvPr/>
+        </p:nvSpPr>
+        <p:spPr>
+          <a:xfrm>
+            <a:off x="337748" y="64403"/>
+            <a:ext cx="4662815" cy="646331"/>
+          </a:xfrm>
+          <a:prstGeom prst="rect">
+            <a:avLst/>
+          </a:prstGeom>
+          <a:noFill/>
+        </p:spPr>
+        <p:txBody>
+          <a:bodyPr wrap="none" rtlCol="0">
+            <a:spAutoFit/>
+          </a:bodyPr>
+          <a:lstStyle/>
+          <a:p>
+            <a:r>
+              <a:rPr lang="en-US" sz="3600" dirty="0" smtClean="0">
+                <a:solidFill>
+                  <a:srgbClr val="FF0000"/>
+                </a:solidFill>
+              </a:rPr>
+              <a:t>Influence of parameters</a:t>
+            </a:r>
+            <a:endParaRPr lang="en-US" sz="3600" dirty="0">
+              <a:solidFill>
+                <a:srgbClr val="FF0000"/>
+              </a:solidFill>
+            </a:endParaRPr>
+          </a:p>
+        </p:txBody>
+      </p:sp>
     </p:spTree>
     <p:extLst>
       <p:ext uri="{BB962C8B-B14F-4D97-AF65-F5344CB8AC3E}">
-        <p14:creationId xmlns:p14="http://schemas.microsoft.com/office/powerpoint/2010/main" val="2039928254"/>
+        <p14:creationId xmlns:p14="http://schemas.microsoft.com/office/powerpoint/2010/main" val="1761858216"/>
       </p:ext>
     </p:extLst>
   </p:cSld>
@@ -3120,13 +4159,13 @@
       </p:grpSpPr>
       <p:pic>
         <p:nvPicPr>
-          <p:cNvPr id="5" name="Picture 4"/>
+          <p:cNvPr id="6" name="Picture 5"/>
           <p:cNvPicPr>
             <a:picLocks noChangeAspect="1"/>
           </p:cNvPicPr>
           <p:nvPr/>
         </p:nvPicPr>
-        <p:blipFill>
+        <p:blipFill rotWithShape="1">
           <a:blip r:embed="rId2">
             <a:extLst>
               <a:ext uri="{28A0092B-C50C-407E-A947-70E740481C1C}">
@@ -3134,144 +4173,736 @@
               </a:ext>
             </a:extLst>
           </a:blip>
-          <a:stretch>
-            <a:fillRect/>
-          </a:stretch>
+          <a:srcRect l="3344"/>
+          <a:stretch/>
         </p:blipFill>
         <p:spPr>
           <a:xfrm>
-            <a:off x="0" y="3588340"/>
-            <a:ext cx="12192000" cy="3251200"/>
+            <a:off x="-1" y="0"/>
+            <a:ext cx="11784223" cy="3251200"/>
           </a:xfrm>
           <a:prstGeom prst="rect">
             <a:avLst/>
           </a:prstGeom>
         </p:spPr>
       </p:pic>
-    </p:spTree>
-    <p:extLst>
-      <p:ext uri="{BB962C8B-B14F-4D97-AF65-F5344CB8AC3E}">
-        <p14:creationId xmlns:p14="http://schemas.microsoft.com/office/powerpoint/2010/main" val="688479884"/>
-      </p:ext>
-    </p:extLst>
-  </p:cSld>
-  <p:clrMapOvr>
-    <a:masterClrMapping/>
-  </p:clrMapOvr>
-</p:sld>
-</file>
-
-<file path=ppt/slides/slide4.xml><?xml version="1.0" encoding="utf-8"?>
-<p:sld xmlns:a="http://schemas.openxmlformats.org/drawingml/2006/main" xmlns:r="http://schemas.openxmlformats.org/officeDocument/2006/relationships" xmlns:p="http://schemas.openxmlformats.org/presentationml/2006/main">
-  <p:cSld>
-    <p:spTree>
-      <p:nvGrpSpPr>
-        <p:cNvPr id="1" name=""/>
-        <p:cNvGrpSpPr/>
-        <p:nvPr/>
-      </p:nvGrpSpPr>
-      <p:grpSpPr>
-        <a:xfrm>
-          <a:off x="0" y="0"/>
-          <a:ext cx="0" cy="0"/>
-          <a:chOff x="0" y="0"/>
-          <a:chExt cx="0" cy="0"/>
-        </a:xfrm>
-      </p:grpSpPr>
+      <p:sp>
+        <p:nvSpPr>
+          <p:cNvPr id="7" name="TextBox 6"/>
+          <p:cNvSpPr txBox="1"/>
+          <p:nvPr/>
+        </p:nvSpPr>
+        <p:spPr>
+          <a:xfrm>
+            <a:off x="10841950" y="1065424"/>
+            <a:ext cx="1350050" cy="1569660"/>
+          </a:xfrm>
+          <a:prstGeom prst="rect">
+            <a:avLst/>
+          </a:prstGeom>
+          <a:solidFill>
+            <a:schemeClr val="accent4">
+              <a:lumMod val="40000"/>
+              <a:lumOff val="60000"/>
+            </a:schemeClr>
+          </a:solidFill>
+        </p:spPr>
+        <p:txBody>
+          <a:bodyPr wrap="none" rtlCol="0">
+            <a:spAutoFit/>
+          </a:bodyPr>
+          <a:lstStyle/>
+          <a:p>
+            <a:r>
+              <a:rPr lang="en-US" sz="2400" dirty="0" smtClean="0"/>
+              <a:t>R</a:t>
+            </a:r>
+          </a:p>
+          <a:p>
+            <a:r>
+              <a:rPr lang="en-US" sz="2400" dirty="0" smtClean="0"/>
+              <a:t>Z=1000m</a:t>
+            </a:r>
+          </a:p>
+          <a:p>
+            <a:r>
+              <a:rPr lang="en-US" sz="2400" dirty="0" smtClean="0"/>
+              <a:t>r=5m</a:t>
+            </a:r>
+          </a:p>
+          <a:p>
+            <a:r>
+              <a:rPr lang="en-US" sz="2400" dirty="0" smtClean="0"/>
+              <a:t>L=1000m</a:t>
+            </a:r>
+          </a:p>
+        </p:txBody>
+      </p:sp>
+      <p:sp>
+        <p:nvSpPr>
+          <p:cNvPr id="9" name="TextBox 8"/>
+          <p:cNvSpPr txBox="1"/>
+          <p:nvPr/>
+        </p:nvSpPr>
+        <p:spPr>
+          <a:xfrm>
+            <a:off x="5897638" y="902729"/>
+            <a:ext cx="1138902" cy="369332"/>
+          </a:xfrm>
+          <a:prstGeom prst="rect">
+            <a:avLst/>
+          </a:prstGeom>
+          <a:solidFill>
+            <a:srgbClr val="4E93C3">
+              <a:alpha val="65000"/>
+            </a:srgbClr>
+          </a:solidFill>
+        </p:spPr>
+        <p:txBody>
+          <a:bodyPr wrap="none" rtlCol="0">
+            <a:spAutoFit/>
+          </a:bodyPr>
+          <a:lstStyle/>
+          <a:p>
+            <a:r>
+              <a:rPr lang="en-US" smtClean="0"/>
+              <a:t>R = 1 m</a:t>
+            </a:r>
+            <a:r>
+              <a:rPr lang="en-US" baseline="30000" smtClean="0"/>
+              <a:t>3</a:t>
+            </a:r>
+            <a:r>
+              <a:rPr lang="en-US" smtClean="0"/>
+              <a:t>/s</a:t>
+            </a:r>
+            <a:endParaRPr lang="en-US"/>
+          </a:p>
+        </p:txBody>
+      </p:sp>
+      <p:cxnSp>
+        <p:nvCxnSpPr>
+          <p:cNvPr id="11" name="Straight Arrow Connector 10"/>
+          <p:cNvCxnSpPr/>
+          <p:nvPr/>
+        </p:nvCxnSpPr>
+        <p:spPr>
+          <a:xfrm flipH="1">
+            <a:off x="5313407" y="1272061"/>
+            <a:ext cx="578703" cy="457885"/>
+          </a:xfrm>
+          <a:prstGeom prst="straightConnector1">
+            <a:avLst/>
+          </a:prstGeom>
+          <a:ln>
+            <a:tailEnd type="triangle"/>
+          </a:ln>
+        </p:spPr>
+        <p:style>
+          <a:lnRef idx="1">
+            <a:schemeClr val="accent1"/>
+          </a:lnRef>
+          <a:fillRef idx="0">
+            <a:schemeClr val="accent1"/>
+          </a:fillRef>
+          <a:effectRef idx="0">
+            <a:schemeClr val="accent1"/>
+          </a:effectRef>
+          <a:fontRef idx="minor">
+            <a:schemeClr val="tx1"/>
+          </a:fontRef>
+        </p:style>
+      </p:cxnSp>
+      <p:sp>
+        <p:nvSpPr>
+          <p:cNvPr id="13" name="TextBox 12"/>
+          <p:cNvSpPr txBox="1"/>
+          <p:nvPr/>
+        </p:nvSpPr>
+        <p:spPr>
+          <a:xfrm>
+            <a:off x="7508227" y="2450418"/>
+            <a:ext cx="1138902" cy="369332"/>
+          </a:xfrm>
+          <a:prstGeom prst="rect">
+            <a:avLst/>
+          </a:prstGeom>
+          <a:solidFill>
+            <a:srgbClr val="2CA02B">
+              <a:alpha val="56000"/>
+            </a:srgbClr>
+          </a:solidFill>
+        </p:spPr>
+        <p:txBody>
+          <a:bodyPr wrap="none" rtlCol="0">
+            <a:spAutoFit/>
+          </a:bodyPr>
+          <a:lstStyle/>
+          <a:p>
+            <a:r>
+              <a:rPr lang="en-US" dirty="0" smtClean="0"/>
+              <a:t>R = 6 m</a:t>
+            </a:r>
+            <a:r>
+              <a:rPr lang="en-US" baseline="30000" dirty="0" smtClean="0"/>
+              <a:t>3</a:t>
+            </a:r>
+            <a:r>
+              <a:rPr lang="en-US" dirty="0" smtClean="0"/>
+              <a:t>/s</a:t>
+            </a:r>
+            <a:endParaRPr lang="en-US" dirty="0"/>
+          </a:p>
+        </p:txBody>
+      </p:sp>
+      <p:cxnSp>
+        <p:nvCxnSpPr>
+          <p:cNvPr id="14" name="Straight Arrow Connector 13"/>
+          <p:cNvCxnSpPr/>
+          <p:nvPr/>
+        </p:nvCxnSpPr>
+        <p:spPr>
+          <a:xfrm flipH="1" flipV="1">
+            <a:off x="7290486" y="2174789"/>
+            <a:ext cx="217741" cy="275630"/>
+          </a:xfrm>
+          <a:prstGeom prst="straightConnector1">
+            <a:avLst/>
+          </a:prstGeom>
+          <a:ln>
+            <a:solidFill>
+              <a:srgbClr val="2CA02B"/>
+            </a:solidFill>
+            <a:tailEnd type="triangle"/>
+          </a:ln>
+        </p:spPr>
+        <p:style>
+          <a:lnRef idx="1">
+            <a:schemeClr val="accent1"/>
+          </a:lnRef>
+          <a:fillRef idx="0">
+            <a:schemeClr val="accent1"/>
+          </a:fillRef>
+          <a:effectRef idx="0">
+            <a:schemeClr val="accent1"/>
+          </a:effectRef>
+          <a:fontRef idx="minor">
+            <a:schemeClr val="tx1"/>
+          </a:fontRef>
+        </p:style>
+      </p:cxnSp>
       <p:pic>
         <p:nvPicPr>
-          <p:cNvPr id="6" name="Picture 5"/>
+          <p:cNvPr id="25" name="Picture 24"/>
           <p:cNvPicPr>
             <a:picLocks noChangeAspect="1"/>
           </p:cNvPicPr>
           <p:nvPr/>
         </p:nvPicPr>
-        <p:blipFill>
-          <a:blip r:embed="rId2">
+        <p:blipFill rotWithShape="1">
+          <a:blip r:embed="rId3">
             <a:extLst>
               <a:ext uri="{28A0092B-C50C-407E-A947-70E740481C1C}">
                 <a14:useLocalDpi xmlns:a14="http://schemas.microsoft.com/office/drawing/2010/main" val="0"/>
               </a:ext>
             </a:extLst>
           </a:blip>
-          <a:stretch>
-            <a:fillRect/>
-          </a:stretch>
+          <a:srcRect l="3041"/>
+          <a:stretch/>
         </p:blipFill>
         <p:spPr>
           <a:xfrm>
-            <a:off x="0" y="3603764"/>
-            <a:ext cx="12192000" cy="3251200"/>
+            <a:off x="0" y="3446850"/>
+            <a:ext cx="11821294" cy="3251200"/>
           </a:xfrm>
           <a:prstGeom prst="rect">
             <a:avLst/>
           </a:prstGeom>
         </p:spPr>
       </p:pic>
+      <p:sp>
+        <p:nvSpPr>
+          <p:cNvPr id="26" name="TextBox 25"/>
+          <p:cNvSpPr txBox="1"/>
+          <p:nvPr/>
+        </p:nvSpPr>
+        <p:spPr>
+          <a:xfrm>
+            <a:off x="10841950" y="4269447"/>
+            <a:ext cx="1350050" cy="1569660"/>
+          </a:xfrm>
+          <a:prstGeom prst="rect">
+            <a:avLst/>
+          </a:prstGeom>
+          <a:solidFill>
+            <a:schemeClr val="accent4">
+              <a:lumMod val="40000"/>
+              <a:lumOff val="60000"/>
+            </a:schemeClr>
+          </a:solidFill>
+        </p:spPr>
+        <p:txBody>
+          <a:bodyPr wrap="none" rtlCol="0">
+            <a:spAutoFit/>
+          </a:bodyPr>
+          <a:lstStyle>
+            <a:defPPr>
+              <a:defRPr lang="en-US"/>
+            </a:defPPr>
+            <a:lvl1pPr marL="0" algn="l" defTabSz="914400" rtl="0" eaLnBrk="1" latinLnBrk="0" hangingPunct="1">
+              <a:defRPr sz="1800" kern="1200">
+                <a:solidFill>
+                  <a:schemeClr val="tx1"/>
+                </a:solidFill>
+                <a:latin typeface="+mn-lt"/>
+                <a:ea typeface="+mn-ea"/>
+                <a:cs typeface="+mn-cs"/>
+              </a:defRPr>
+            </a:lvl1pPr>
+            <a:lvl2pPr marL="457200" algn="l" defTabSz="914400" rtl="0" eaLnBrk="1" latinLnBrk="0" hangingPunct="1">
+              <a:defRPr sz="1800" kern="1200">
+                <a:solidFill>
+                  <a:schemeClr val="tx1"/>
+                </a:solidFill>
+                <a:latin typeface="+mn-lt"/>
+                <a:ea typeface="+mn-ea"/>
+                <a:cs typeface="+mn-cs"/>
+              </a:defRPr>
+            </a:lvl2pPr>
+            <a:lvl3pPr marL="914400" algn="l" defTabSz="914400" rtl="0" eaLnBrk="1" latinLnBrk="0" hangingPunct="1">
+              <a:defRPr sz="1800" kern="1200">
+                <a:solidFill>
+                  <a:schemeClr val="tx1"/>
+                </a:solidFill>
+                <a:latin typeface="+mn-lt"/>
+                <a:ea typeface="+mn-ea"/>
+                <a:cs typeface="+mn-cs"/>
+              </a:defRPr>
+            </a:lvl3pPr>
+            <a:lvl4pPr marL="1371600" algn="l" defTabSz="914400" rtl="0" eaLnBrk="1" latinLnBrk="0" hangingPunct="1">
+              <a:defRPr sz="1800" kern="1200">
+                <a:solidFill>
+                  <a:schemeClr val="tx1"/>
+                </a:solidFill>
+                <a:latin typeface="+mn-lt"/>
+                <a:ea typeface="+mn-ea"/>
+                <a:cs typeface="+mn-cs"/>
+              </a:defRPr>
+            </a:lvl4pPr>
+            <a:lvl5pPr marL="1828800" algn="l" defTabSz="914400" rtl="0" eaLnBrk="1" latinLnBrk="0" hangingPunct="1">
+              <a:defRPr sz="1800" kern="1200">
+                <a:solidFill>
+                  <a:schemeClr val="tx1"/>
+                </a:solidFill>
+                <a:latin typeface="+mn-lt"/>
+                <a:ea typeface="+mn-ea"/>
+                <a:cs typeface="+mn-cs"/>
+              </a:defRPr>
+            </a:lvl5pPr>
+            <a:lvl6pPr marL="2286000" algn="l" defTabSz="914400" rtl="0" eaLnBrk="1" latinLnBrk="0" hangingPunct="1">
+              <a:defRPr sz="1800" kern="1200">
+                <a:solidFill>
+                  <a:schemeClr val="tx1"/>
+                </a:solidFill>
+                <a:latin typeface="+mn-lt"/>
+                <a:ea typeface="+mn-ea"/>
+                <a:cs typeface="+mn-cs"/>
+              </a:defRPr>
+            </a:lvl6pPr>
+            <a:lvl7pPr marL="2743200" algn="l" defTabSz="914400" rtl="0" eaLnBrk="1" latinLnBrk="0" hangingPunct="1">
+              <a:defRPr sz="1800" kern="1200">
+                <a:solidFill>
+                  <a:schemeClr val="tx1"/>
+                </a:solidFill>
+                <a:latin typeface="+mn-lt"/>
+                <a:ea typeface="+mn-ea"/>
+                <a:cs typeface="+mn-cs"/>
+              </a:defRPr>
+            </a:lvl7pPr>
+            <a:lvl8pPr marL="3200400" algn="l" defTabSz="914400" rtl="0" eaLnBrk="1" latinLnBrk="0" hangingPunct="1">
+              <a:defRPr sz="1800" kern="1200">
+                <a:solidFill>
+                  <a:schemeClr val="tx1"/>
+                </a:solidFill>
+                <a:latin typeface="+mn-lt"/>
+                <a:ea typeface="+mn-ea"/>
+                <a:cs typeface="+mn-cs"/>
+              </a:defRPr>
+            </a:lvl8pPr>
+            <a:lvl9pPr marL="3657600" algn="l" defTabSz="914400" rtl="0" eaLnBrk="1" latinLnBrk="0" hangingPunct="1">
+              <a:defRPr sz="1800" kern="1200">
+                <a:solidFill>
+                  <a:schemeClr val="tx1"/>
+                </a:solidFill>
+                <a:latin typeface="+mn-lt"/>
+                <a:ea typeface="+mn-ea"/>
+                <a:cs typeface="+mn-cs"/>
+              </a:defRPr>
+            </a:lvl9pPr>
+          </a:lstStyle>
+          <a:p>
+            <a:r>
+              <a:rPr lang="en-US" sz="2400" dirty="0" smtClean="0"/>
+              <a:t>R=2m</a:t>
+            </a:r>
+            <a:r>
+              <a:rPr lang="en-US" sz="2400" baseline="30000" dirty="0" smtClean="0"/>
+              <a:t>3</a:t>
+            </a:r>
+            <a:r>
+              <a:rPr lang="en-US" sz="2400" dirty="0" smtClean="0"/>
+              <a:t>/s</a:t>
+            </a:r>
+          </a:p>
+          <a:p>
+            <a:r>
+              <a:rPr lang="en-US" sz="2400" dirty="0" smtClean="0"/>
+              <a:t>Z=1000m</a:t>
+            </a:r>
+          </a:p>
+          <a:p>
+            <a:r>
+              <a:rPr lang="en-US" sz="2400" dirty="0" smtClean="0"/>
+              <a:t>r</a:t>
+            </a:r>
+          </a:p>
+          <a:p>
+            <a:r>
+              <a:rPr lang="en-US" sz="2400" dirty="0" smtClean="0"/>
+              <a:t>L=1000m</a:t>
+            </a:r>
+          </a:p>
+        </p:txBody>
+      </p:sp>
+      <p:sp>
+        <p:nvSpPr>
+          <p:cNvPr id="27" name="TextBox 26"/>
+          <p:cNvSpPr txBox="1"/>
+          <p:nvPr/>
+        </p:nvSpPr>
+        <p:spPr>
+          <a:xfrm>
+            <a:off x="2775589" y="4848317"/>
+            <a:ext cx="840295" cy="369332"/>
+          </a:xfrm>
+          <a:prstGeom prst="rect">
+            <a:avLst/>
+          </a:prstGeom>
+          <a:solidFill>
+            <a:srgbClr val="2CA02B">
+              <a:alpha val="56000"/>
+            </a:srgbClr>
+          </a:solidFill>
+        </p:spPr>
+        <p:txBody>
+          <a:bodyPr wrap="none" rtlCol="0">
+            <a:spAutoFit/>
+          </a:bodyPr>
+          <a:lstStyle>
+            <a:defPPr>
+              <a:defRPr lang="en-US"/>
+            </a:defPPr>
+            <a:lvl1pPr marL="0" algn="l" defTabSz="914400" rtl="0" eaLnBrk="1" latinLnBrk="0" hangingPunct="1">
+              <a:defRPr sz="1800" kern="1200">
+                <a:solidFill>
+                  <a:schemeClr val="tx1"/>
+                </a:solidFill>
+                <a:latin typeface="+mn-lt"/>
+                <a:ea typeface="+mn-ea"/>
+                <a:cs typeface="+mn-cs"/>
+              </a:defRPr>
+            </a:lvl1pPr>
+            <a:lvl2pPr marL="457200" algn="l" defTabSz="914400" rtl="0" eaLnBrk="1" latinLnBrk="0" hangingPunct="1">
+              <a:defRPr sz="1800" kern="1200">
+                <a:solidFill>
+                  <a:schemeClr val="tx1"/>
+                </a:solidFill>
+                <a:latin typeface="+mn-lt"/>
+                <a:ea typeface="+mn-ea"/>
+                <a:cs typeface="+mn-cs"/>
+              </a:defRPr>
+            </a:lvl2pPr>
+            <a:lvl3pPr marL="914400" algn="l" defTabSz="914400" rtl="0" eaLnBrk="1" latinLnBrk="0" hangingPunct="1">
+              <a:defRPr sz="1800" kern="1200">
+                <a:solidFill>
+                  <a:schemeClr val="tx1"/>
+                </a:solidFill>
+                <a:latin typeface="+mn-lt"/>
+                <a:ea typeface="+mn-ea"/>
+                <a:cs typeface="+mn-cs"/>
+              </a:defRPr>
+            </a:lvl3pPr>
+            <a:lvl4pPr marL="1371600" algn="l" defTabSz="914400" rtl="0" eaLnBrk="1" latinLnBrk="0" hangingPunct="1">
+              <a:defRPr sz="1800" kern="1200">
+                <a:solidFill>
+                  <a:schemeClr val="tx1"/>
+                </a:solidFill>
+                <a:latin typeface="+mn-lt"/>
+                <a:ea typeface="+mn-ea"/>
+                <a:cs typeface="+mn-cs"/>
+              </a:defRPr>
+            </a:lvl4pPr>
+            <a:lvl5pPr marL="1828800" algn="l" defTabSz="914400" rtl="0" eaLnBrk="1" latinLnBrk="0" hangingPunct="1">
+              <a:defRPr sz="1800" kern="1200">
+                <a:solidFill>
+                  <a:schemeClr val="tx1"/>
+                </a:solidFill>
+                <a:latin typeface="+mn-lt"/>
+                <a:ea typeface="+mn-ea"/>
+                <a:cs typeface="+mn-cs"/>
+              </a:defRPr>
+            </a:lvl5pPr>
+            <a:lvl6pPr marL="2286000" algn="l" defTabSz="914400" rtl="0" eaLnBrk="1" latinLnBrk="0" hangingPunct="1">
+              <a:defRPr sz="1800" kern="1200">
+                <a:solidFill>
+                  <a:schemeClr val="tx1"/>
+                </a:solidFill>
+                <a:latin typeface="+mn-lt"/>
+                <a:ea typeface="+mn-ea"/>
+                <a:cs typeface="+mn-cs"/>
+              </a:defRPr>
+            </a:lvl6pPr>
+            <a:lvl7pPr marL="2743200" algn="l" defTabSz="914400" rtl="0" eaLnBrk="1" latinLnBrk="0" hangingPunct="1">
+              <a:defRPr sz="1800" kern="1200">
+                <a:solidFill>
+                  <a:schemeClr val="tx1"/>
+                </a:solidFill>
+                <a:latin typeface="+mn-lt"/>
+                <a:ea typeface="+mn-ea"/>
+                <a:cs typeface="+mn-cs"/>
+              </a:defRPr>
+            </a:lvl7pPr>
+            <a:lvl8pPr marL="3200400" algn="l" defTabSz="914400" rtl="0" eaLnBrk="1" latinLnBrk="0" hangingPunct="1">
+              <a:defRPr sz="1800" kern="1200">
+                <a:solidFill>
+                  <a:schemeClr val="tx1"/>
+                </a:solidFill>
+                <a:latin typeface="+mn-lt"/>
+                <a:ea typeface="+mn-ea"/>
+                <a:cs typeface="+mn-cs"/>
+              </a:defRPr>
+            </a:lvl8pPr>
+            <a:lvl9pPr marL="3657600" algn="l" defTabSz="914400" rtl="0" eaLnBrk="1" latinLnBrk="0" hangingPunct="1">
+              <a:defRPr sz="1800" kern="1200">
+                <a:solidFill>
+                  <a:schemeClr val="tx1"/>
+                </a:solidFill>
+                <a:latin typeface="+mn-lt"/>
+                <a:ea typeface="+mn-ea"/>
+                <a:cs typeface="+mn-cs"/>
+              </a:defRPr>
+            </a:lvl9pPr>
+          </a:lstStyle>
+          <a:p>
+            <a:r>
+              <a:rPr lang="en-US" dirty="0" smtClean="0"/>
+              <a:t>r = 6 m</a:t>
+            </a:r>
+            <a:endParaRPr lang="en-US" dirty="0"/>
+          </a:p>
+        </p:txBody>
+      </p:sp>
+      <p:cxnSp>
+        <p:nvCxnSpPr>
+          <p:cNvPr id="28" name="Straight Arrow Connector 27"/>
+          <p:cNvCxnSpPr/>
+          <p:nvPr/>
+        </p:nvCxnSpPr>
+        <p:spPr>
+          <a:xfrm flipH="1">
+            <a:off x="2533135" y="5217649"/>
+            <a:ext cx="242455" cy="219673"/>
+          </a:xfrm>
+          <a:prstGeom prst="straightConnector1">
+            <a:avLst/>
+          </a:prstGeom>
+          <a:ln>
+            <a:solidFill>
+              <a:srgbClr val="2CA02B"/>
+            </a:solidFill>
+            <a:tailEnd type="triangle"/>
+          </a:ln>
+        </p:spPr>
+        <p:style>
+          <a:lnRef idx="1">
+            <a:schemeClr val="accent1"/>
+          </a:lnRef>
+          <a:fillRef idx="0">
+            <a:schemeClr val="accent1"/>
+          </a:fillRef>
+          <a:effectRef idx="0">
+            <a:schemeClr val="accent1"/>
+          </a:effectRef>
+          <a:fontRef idx="minor">
+            <a:schemeClr val="tx1"/>
+          </a:fontRef>
+        </p:style>
+      </p:cxnSp>
+      <p:sp>
+        <p:nvSpPr>
+          <p:cNvPr id="29" name="TextBox 28"/>
+          <p:cNvSpPr txBox="1"/>
+          <p:nvPr/>
+        </p:nvSpPr>
+        <p:spPr>
+          <a:xfrm>
+            <a:off x="1963684" y="3955540"/>
+            <a:ext cx="1138902" cy="369332"/>
+          </a:xfrm>
+          <a:prstGeom prst="rect">
+            <a:avLst/>
+          </a:prstGeom>
+          <a:solidFill>
+            <a:srgbClr val="4E93C3">
+              <a:alpha val="65000"/>
+            </a:srgbClr>
+          </a:solidFill>
+        </p:spPr>
+        <p:txBody>
+          <a:bodyPr wrap="square" rtlCol="0">
+            <a:spAutoFit/>
+          </a:bodyPr>
+          <a:lstStyle>
+            <a:defPPr>
+              <a:defRPr lang="en-US"/>
+            </a:defPPr>
+            <a:lvl1pPr marL="0" algn="l" defTabSz="914400" rtl="0" eaLnBrk="1" latinLnBrk="0" hangingPunct="1">
+              <a:defRPr sz="1800" kern="1200">
+                <a:solidFill>
+                  <a:schemeClr val="tx1"/>
+                </a:solidFill>
+                <a:latin typeface="+mn-lt"/>
+                <a:ea typeface="+mn-ea"/>
+                <a:cs typeface="+mn-cs"/>
+              </a:defRPr>
+            </a:lvl1pPr>
+            <a:lvl2pPr marL="457200" algn="l" defTabSz="914400" rtl="0" eaLnBrk="1" latinLnBrk="0" hangingPunct="1">
+              <a:defRPr sz="1800" kern="1200">
+                <a:solidFill>
+                  <a:schemeClr val="tx1"/>
+                </a:solidFill>
+                <a:latin typeface="+mn-lt"/>
+                <a:ea typeface="+mn-ea"/>
+                <a:cs typeface="+mn-cs"/>
+              </a:defRPr>
+            </a:lvl2pPr>
+            <a:lvl3pPr marL="914400" algn="l" defTabSz="914400" rtl="0" eaLnBrk="1" latinLnBrk="0" hangingPunct="1">
+              <a:defRPr sz="1800" kern="1200">
+                <a:solidFill>
+                  <a:schemeClr val="tx1"/>
+                </a:solidFill>
+                <a:latin typeface="+mn-lt"/>
+                <a:ea typeface="+mn-ea"/>
+                <a:cs typeface="+mn-cs"/>
+              </a:defRPr>
+            </a:lvl3pPr>
+            <a:lvl4pPr marL="1371600" algn="l" defTabSz="914400" rtl="0" eaLnBrk="1" latinLnBrk="0" hangingPunct="1">
+              <a:defRPr sz="1800" kern="1200">
+                <a:solidFill>
+                  <a:schemeClr val="tx1"/>
+                </a:solidFill>
+                <a:latin typeface="+mn-lt"/>
+                <a:ea typeface="+mn-ea"/>
+                <a:cs typeface="+mn-cs"/>
+              </a:defRPr>
+            </a:lvl4pPr>
+            <a:lvl5pPr marL="1828800" algn="l" defTabSz="914400" rtl="0" eaLnBrk="1" latinLnBrk="0" hangingPunct="1">
+              <a:defRPr sz="1800" kern="1200">
+                <a:solidFill>
+                  <a:schemeClr val="tx1"/>
+                </a:solidFill>
+                <a:latin typeface="+mn-lt"/>
+                <a:ea typeface="+mn-ea"/>
+                <a:cs typeface="+mn-cs"/>
+              </a:defRPr>
+            </a:lvl5pPr>
+            <a:lvl6pPr marL="2286000" algn="l" defTabSz="914400" rtl="0" eaLnBrk="1" latinLnBrk="0" hangingPunct="1">
+              <a:defRPr sz="1800" kern="1200">
+                <a:solidFill>
+                  <a:schemeClr val="tx1"/>
+                </a:solidFill>
+                <a:latin typeface="+mn-lt"/>
+                <a:ea typeface="+mn-ea"/>
+                <a:cs typeface="+mn-cs"/>
+              </a:defRPr>
+            </a:lvl6pPr>
+            <a:lvl7pPr marL="2743200" algn="l" defTabSz="914400" rtl="0" eaLnBrk="1" latinLnBrk="0" hangingPunct="1">
+              <a:defRPr sz="1800" kern="1200">
+                <a:solidFill>
+                  <a:schemeClr val="tx1"/>
+                </a:solidFill>
+                <a:latin typeface="+mn-lt"/>
+                <a:ea typeface="+mn-ea"/>
+                <a:cs typeface="+mn-cs"/>
+              </a:defRPr>
+            </a:lvl7pPr>
+            <a:lvl8pPr marL="3200400" algn="l" defTabSz="914400" rtl="0" eaLnBrk="1" latinLnBrk="0" hangingPunct="1">
+              <a:defRPr sz="1800" kern="1200">
+                <a:solidFill>
+                  <a:schemeClr val="tx1"/>
+                </a:solidFill>
+                <a:latin typeface="+mn-lt"/>
+                <a:ea typeface="+mn-ea"/>
+                <a:cs typeface="+mn-cs"/>
+              </a:defRPr>
+            </a:lvl8pPr>
+            <a:lvl9pPr marL="3657600" algn="l" defTabSz="914400" rtl="0" eaLnBrk="1" latinLnBrk="0" hangingPunct="1">
+              <a:defRPr sz="1800" kern="1200">
+                <a:solidFill>
+                  <a:schemeClr val="tx1"/>
+                </a:solidFill>
+                <a:latin typeface="+mn-lt"/>
+                <a:ea typeface="+mn-ea"/>
+                <a:cs typeface="+mn-cs"/>
+              </a:defRPr>
+            </a:lvl9pPr>
+          </a:lstStyle>
+          <a:p>
+            <a:r>
+              <a:rPr lang="en-US" dirty="0" smtClean="0"/>
+              <a:t>r = 1 m</a:t>
+            </a:r>
+            <a:endParaRPr lang="en-US" dirty="0"/>
+          </a:p>
+        </p:txBody>
+      </p:sp>
+      <p:cxnSp>
+        <p:nvCxnSpPr>
+          <p:cNvPr id="30" name="Straight Arrow Connector 29"/>
+          <p:cNvCxnSpPr/>
+          <p:nvPr/>
+        </p:nvCxnSpPr>
+        <p:spPr>
+          <a:xfrm flipH="1">
+            <a:off x="1680519" y="4324872"/>
+            <a:ext cx="277638" cy="136605"/>
+          </a:xfrm>
+          <a:prstGeom prst="straightConnector1">
+            <a:avLst/>
+          </a:prstGeom>
+          <a:ln>
+            <a:tailEnd type="triangle"/>
+          </a:ln>
+        </p:spPr>
+        <p:style>
+          <a:lnRef idx="1">
+            <a:schemeClr val="accent1"/>
+          </a:lnRef>
+          <a:fillRef idx="0">
+            <a:schemeClr val="accent1"/>
+          </a:fillRef>
+          <a:effectRef idx="0">
+            <a:schemeClr val="accent1"/>
+          </a:effectRef>
+          <a:fontRef idx="minor">
+            <a:schemeClr val="tx1"/>
+          </a:fontRef>
+        </p:style>
+      </p:cxnSp>
     </p:spTree>
     <p:extLst>
       <p:ext uri="{BB962C8B-B14F-4D97-AF65-F5344CB8AC3E}">
-        <p14:creationId xmlns:p14="http://schemas.microsoft.com/office/powerpoint/2010/main" val="140401293"/>
-      </p:ext>
-    </p:extLst>
-  </p:cSld>
-  <p:clrMapOvr>
-    <a:masterClrMapping/>
-  </p:clrMapOvr>
-</p:sld>
-</file>
-
-<file path=ppt/slides/slide5.xml><?xml version="1.0" encoding="utf-8"?>
-<p:sld xmlns:a="http://schemas.openxmlformats.org/drawingml/2006/main" xmlns:r="http://schemas.openxmlformats.org/officeDocument/2006/relationships" xmlns:p="http://schemas.openxmlformats.org/presentationml/2006/main">
-  <p:cSld>
-    <p:spTree>
-      <p:nvGrpSpPr>
-        <p:cNvPr id="1" name=""/>
-        <p:cNvGrpSpPr/>
-        <p:nvPr/>
-      </p:nvGrpSpPr>
-      <p:grpSpPr>
-        <a:xfrm>
-          <a:off x="0" y="0"/>
-          <a:ext cx="0" cy="0"/>
-          <a:chOff x="0" y="0"/>
-          <a:chExt cx="0" cy="0"/>
-        </a:xfrm>
-      </p:grpSpPr>
-      <p:pic>
-        <p:nvPicPr>
-          <p:cNvPr id="3" name="Picture 2"/>
-          <p:cNvPicPr>
-            <a:picLocks noChangeAspect="1"/>
-          </p:cNvPicPr>
-          <p:nvPr/>
-        </p:nvPicPr>
-        <p:blipFill>
-          <a:blip r:embed="rId2">
-            <a:extLst>
-              <a:ext uri="{28A0092B-C50C-407E-A947-70E740481C1C}">
-                <a14:useLocalDpi xmlns:a14="http://schemas.microsoft.com/office/drawing/2010/main" val="0"/>
-              </a:ext>
-            </a:extLst>
-          </a:blip>
-          <a:stretch>
-            <a:fillRect/>
-          </a:stretch>
-        </p:blipFill>
-        <p:spPr>
-          <a:xfrm>
-            <a:off x="0" y="3606800"/>
-            <a:ext cx="12192000" cy="3251200"/>
-          </a:xfrm>
-          <a:prstGeom prst="rect">
-            <a:avLst/>
-          </a:prstGeom>
-        </p:spPr>
-      </p:pic>
-    </p:spTree>
-    <p:extLst>
-      <p:ext uri="{BB962C8B-B14F-4D97-AF65-F5344CB8AC3E}">
-        <p14:creationId xmlns:p14="http://schemas.microsoft.com/office/powerpoint/2010/main" val="1473486137"/>
+        <p14:creationId xmlns:p14="http://schemas.microsoft.com/office/powerpoint/2010/main" val="2039928254"/>
       </p:ext>
     </p:extLst>
   </p:cSld>

--- a/MoulinCreep/MathModeling_midterm.pptx
+++ b/MoulinCreep/MathModeling_midterm.pptx
@@ -118,6 +118,9 @@
         </p14:section>
       </p14:sectionLst>
     </p:ext>
+    <p:ext uri="{EFAFB233-063F-42B5-8137-9DF3F51BA10A}">
+      <p15:sldGuideLst xmlns:p15="http://schemas.microsoft.com/office/powerpoint/2012/main"/>
+    </p:ext>
   </p:extLst>
 </p:presentation>
 </file>
@@ -253,7 +256,7 @@
           <a:p>
             <a:fld id="{96F6FE2C-064A-A44C-84D2-75BEFB026B41}" type="datetimeFigureOut">
               <a:rPr lang="en-US" smtClean="0"/>
-              <a:t>11/1/17</a:t>
+              <a:t>11/3/17</a:t>
             </a:fld>
             <a:endParaRPr lang="en-US"/>
           </a:p>
@@ -423,7 +426,7 @@
           <a:p>
             <a:fld id="{96F6FE2C-064A-A44C-84D2-75BEFB026B41}" type="datetimeFigureOut">
               <a:rPr lang="en-US" smtClean="0"/>
-              <a:t>11/1/17</a:t>
+              <a:t>11/3/17</a:t>
             </a:fld>
             <a:endParaRPr lang="en-US"/>
           </a:p>
@@ -603,7 +606,7 @@
           <a:p>
             <a:fld id="{96F6FE2C-064A-A44C-84D2-75BEFB026B41}" type="datetimeFigureOut">
               <a:rPr lang="en-US" smtClean="0"/>
-              <a:t>11/1/17</a:t>
+              <a:t>11/3/17</a:t>
             </a:fld>
             <a:endParaRPr lang="en-US"/>
           </a:p>
@@ -773,7 +776,7 @@
           <a:p>
             <a:fld id="{96F6FE2C-064A-A44C-84D2-75BEFB026B41}" type="datetimeFigureOut">
               <a:rPr lang="en-US" smtClean="0"/>
-              <a:t>11/1/17</a:t>
+              <a:t>11/3/17</a:t>
             </a:fld>
             <a:endParaRPr lang="en-US"/>
           </a:p>
@@ -1019,7 +1022,7 @@
           <a:p>
             <a:fld id="{96F6FE2C-064A-A44C-84D2-75BEFB026B41}" type="datetimeFigureOut">
               <a:rPr lang="en-US" smtClean="0"/>
-              <a:t>11/1/17</a:t>
+              <a:t>11/3/17</a:t>
             </a:fld>
             <a:endParaRPr lang="en-US"/>
           </a:p>
@@ -1251,7 +1254,7 @@
           <a:p>
             <a:fld id="{96F6FE2C-064A-A44C-84D2-75BEFB026B41}" type="datetimeFigureOut">
               <a:rPr lang="en-US" smtClean="0"/>
-              <a:t>11/1/17</a:t>
+              <a:t>11/3/17</a:t>
             </a:fld>
             <a:endParaRPr lang="en-US"/>
           </a:p>
@@ -1618,7 +1621,7 @@
           <a:p>
             <a:fld id="{96F6FE2C-064A-A44C-84D2-75BEFB026B41}" type="datetimeFigureOut">
               <a:rPr lang="en-US" smtClean="0"/>
-              <a:t>11/1/17</a:t>
+              <a:t>11/3/17</a:t>
             </a:fld>
             <a:endParaRPr lang="en-US"/>
           </a:p>
@@ -1736,7 +1739,7 @@
           <a:p>
             <a:fld id="{96F6FE2C-064A-A44C-84D2-75BEFB026B41}" type="datetimeFigureOut">
               <a:rPr lang="en-US" smtClean="0"/>
-              <a:t>11/1/17</a:t>
+              <a:t>11/3/17</a:t>
             </a:fld>
             <a:endParaRPr lang="en-US"/>
           </a:p>
@@ -1831,7 +1834,7 @@
           <a:p>
             <a:fld id="{96F6FE2C-064A-A44C-84D2-75BEFB026B41}" type="datetimeFigureOut">
               <a:rPr lang="en-US" smtClean="0"/>
-              <a:t>11/1/17</a:t>
+              <a:t>11/3/17</a:t>
             </a:fld>
             <a:endParaRPr lang="en-US"/>
           </a:p>
@@ -2108,7 +2111,7 @@
           <a:p>
             <a:fld id="{96F6FE2C-064A-A44C-84D2-75BEFB026B41}" type="datetimeFigureOut">
               <a:rPr lang="en-US" smtClean="0"/>
-              <a:t>11/1/17</a:t>
+              <a:t>11/3/17</a:t>
             </a:fld>
             <a:endParaRPr lang="en-US"/>
           </a:p>
@@ -2361,7 +2364,7 @@
           <a:p>
             <a:fld id="{96F6FE2C-064A-A44C-84D2-75BEFB026B41}" type="datetimeFigureOut">
               <a:rPr lang="en-US" smtClean="0"/>
-              <a:t>11/1/17</a:t>
+              <a:t>11/3/17</a:t>
             </a:fld>
             <a:endParaRPr lang="en-US"/>
           </a:p>
@@ -2574,7 +2577,7 @@
           <a:p>
             <a:fld id="{96F6FE2C-064A-A44C-84D2-75BEFB026B41}" type="datetimeFigureOut">
               <a:rPr lang="en-US" smtClean="0"/>
-              <a:t>11/1/17</a:t>
+              <a:t>11/3/17</a:t>
             </a:fld>
             <a:endParaRPr lang="en-US"/>
           </a:p>
@@ -2981,6 +2984,36 @@
       </p:grpSpPr>
       <p:pic>
         <p:nvPicPr>
+          <p:cNvPr id="2" name="Picture 1"/>
+          <p:cNvPicPr>
+            <a:picLocks noChangeAspect="1"/>
+          </p:cNvPicPr>
+          <p:nvPr/>
+        </p:nvPicPr>
+        <p:blipFill>
+          <a:blip r:embed="rId2">
+            <a:extLst>
+              <a:ext uri="{28A0092B-C50C-407E-A947-70E740481C1C}">
+                <a14:useLocalDpi xmlns:a14="http://schemas.microsoft.com/office/drawing/2010/main" val="0"/>
+              </a:ext>
+            </a:extLst>
+          </a:blip>
+          <a:stretch>
+            <a:fillRect/>
+          </a:stretch>
+        </p:blipFill>
+        <p:spPr>
+          <a:xfrm>
+            <a:off x="0" y="3551888"/>
+            <a:ext cx="12192000" cy="3251200"/>
+          </a:xfrm>
+          <a:prstGeom prst="rect">
+            <a:avLst/>
+          </a:prstGeom>
+        </p:spPr>
+      </p:pic>
+      <p:pic>
+        <p:nvPicPr>
           <p:cNvPr id="9" name="Picture 8"/>
           <p:cNvPicPr>
             <a:picLocks noChangeAspect="1"/>
@@ -2988,7 +3021,7 @@
           <p:nvPr/>
         </p:nvPicPr>
         <p:blipFill rotWithShape="1">
-          <a:blip r:embed="rId2">
+          <a:blip r:embed="rId3">
             <a:extLst>
               <a:ext uri="{28A0092B-C50C-407E-A947-70E740481C1C}">
                 <a14:useLocalDpi xmlns:a14="http://schemas.microsoft.com/office/drawing/2010/main" val="0"/>
@@ -3001,45 +3034,6 @@
         <p:spPr>
           <a:xfrm>
             <a:off x="913708" y="397420"/>
-            <a:ext cx="11278292" cy="3251200"/>
-          </a:xfrm>
-          <a:prstGeom prst="rect">
-            <a:avLst/>
-          </a:prstGeom>
-        </p:spPr>
-      </p:pic>
-      <p:pic>
-        <p:nvPicPr>
-          <p:cNvPr id="10" name="Picture 9"/>
-          <p:cNvPicPr>
-            <a:picLocks noChangeAspect="1"/>
-          </p:cNvPicPr>
-          <p:nvPr/>
-        </p:nvPicPr>
-        <p:blipFill rotWithShape="1">
-          <a:blip r:embed="rId3">
-            <a:clrChange>
-              <a:clrFrom>
-                <a:srgbClr val="FFFFFF"/>
-              </a:clrFrom>
-              <a:clrTo>
-                <a:srgbClr val="FFFFFF">
-                  <a:alpha val="0"/>
-                </a:srgbClr>
-              </a:clrTo>
-            </a:clrChange>
-            <a:extLst>
-              <a:ext uri="{28A0092B-C50C-407E-A947-70E740481C1C}">
-                <a14:useLocalDpi xmlns:a14="http://schemas.microsoft.com/office/drawing/2010/main" val="0"/>
-              </a:ext>
-            </a:extLst>
-          </a:blip>
-          <a:srcRect l="7494"/>
-          <a:stretch/>
-        </p:blipFill>
-        <p:spPr>
-          <a:xfrm>
-            <a:off x="913708" y="3538795"/>
             <a:ext cx="11278292" cy="3251200"/>
           </a:xfrm>
           <a:prstGeom prst="rect">
